--- a/1_about_this_book.pptx
+++ b/1_about_this_book.pptx
@@ -262,7 +262,7 @@
           <a:p>
             <a:fld id="{6FED02FE-680C-4D44-8B27-8DE7637C71D9}" type="datetimeFigureOut">
               <a:rPr lang="ko-KR" altLang="en-US" smtClean="0"/>
-              <a:t>2022-03-28</a:t>
+              <a:t>2022-03-29</a:t>
             </a:fld>
             <a:endParaRPr lang="ko-KR" altLang="en-US"/>
           </a:p>
@@ -460,7 +460,7 @@
           <a:p>
             <a:fld id="{6FED02FE-680C-4D44-8B27-8DE7637C71D9}" type="datetimeFigureOut">
               <a:rPr lang="ko-KR" altLang="en-US" smtClean="0"/>
-              <a:t>2022-03-28</a:t>
+              <a:t>2022-03-29</a:t>
             </a:fld>
             <a:endParaRPr lang="ko-KR" altLang="en-US"/>
           </a:p>
@@ -668,7 +668,7 @@
           <a:p>
             <a:fld id="{6FED02FE-680C-4D44-8B27-8DE7637C71D9}" type="datetimeFigureOut">
               <a:rPr lang="ko-KR" altLang="en-US" smtClean="0"/>
-              <a:t>2022-03-28</a:t>
+              <a:t>2022-03-29</a:t>
             </a:fld>
             <a:endParaRPr lang="ko-KR" altLang="en-US"/>
           </a:p>
@@ -866,7 +866,7 @@
           <a:p>
             <a:fld id="{6FED02FE-680C-4D44-8B27-8DE7637C71D9}" type="datetimeFigureOut">
               <a:rPr lang="ko-KR" altLang="en-US" smtClean="0"/>
-              <a:t>2022-03-28</a:t>
+              <a:t>2022-03-29</a:t>
             </a:fld>
             <a:endParaRPr lang="ko-KR" altLang="en-US"/>
           </a:p>
@@ -1141,7 +1141,7 @@
           <a:p>
             <a:fld id="{6FED02FE-680C-4D44-8B27-8DE7637C71D9}" type="datetimeFigureOut">
               <a:rPr lang="ko-KR" altLang="en-US" smtClean="0"/>
-              <a:t>2022-03-28</a:t>
+              <a:t>2022-03-29</a:t>
             </a:fld>
             <a:endParaRPr lang="ko-KR" altLang="en-US"/>
           </a:p>
@@ -1406,7 +1406,7 @@
           <a:p>
             <a:fld id="{6FED02FE-680C-4D44-8B27-8DE7637C71D9}" type="datetimeFigureOut">
               <a:rPr lang="ko-KR" altLang="en-US" smtClean="0"/>
-              <a:t>2022-03-28</a:t>
+              <a:t>2022-03-29</a:t>
             </a:fld>
             <a:endParaRPr lang="ko-KR" altLang="en-US"/>
           </a:p>
@@ -1818,7 +1818,7 @@
           <a:p>
             <a:fld id="{6FED02FE-680C-4D44-8B27-8DE7637C71D9}" type="datetimeFigureOut">
               <a:rPr lang="ko-KR" altLang="en-US" smtClean="0"/>
-              <a:t>2022-03-28</a:t>
+              <a:t>2022-03-29</a:t>
             </a:fld>
             <a:endParaRPr lang="ko-KR" altLang="en-US"/>
           </a:p>
@@ -1959,7 +1959,7 @@
           <a:p>
             <a:fld id="{6FED02FE-680C-4D44-8B27-8DE7637C71D9}" type="datetimeFigureOut">
               <a:rPr lang="ko-KR" altLang="en-US" smtClean="0"/>
-              <a:t>2022-03-28</a:t>
+              <a:t>2022-03-29</a:t>
             </a:fld>
             <a:endParaRPr lang="ko-KR" altLang="en-US"/>
           </a:p>
@@ -2072,7 +2072,7 @@
           <a:p>
             <a:fld id="{6FED02FE-680C-4D44-8B27-8DE7637C71D9}" type="datetimeFigureOut">
               <a:rPr lang="ko-KR" altLang="en-US" smtClean="0"/>
-              <a:t>2022-03-28</a:t>
+              <a:t>2022-03-29</a:t>
             </a:fld>
             <a:endParaRPr lang="ko-KR" altLang="en-US"/>
           </a:p>
@@ -2383,7 +2383,7 @@
           <a:p>
             <a:fld id="{6FED02FE-680C-4D44-8B27-8DE7637C71D9}" type="datetimeFigureOut">
               <a:rPr lang="ko-KR" altLang="en-US" smtClean="0"/>
-              <a:t>2022-03-28</a:t>
+              <a:t>2022-03-29</a:t>
             </a:fld>
             <a:endParaRPr lang="ko-KR" altLang="en-US"/>
           </a:p>
@@ -2671,7 +2671,7 @@
           <a:p>
             <a:fld id="{6FED02FE-680C-4D44-8B27-8DE7637C71D9}" type="datetimeFigureOut">
               <a:rPr lang="ko-KR" altLang="en-US" smtClean="0"/>
-              <a:t>2022-03-28</a:t>
+              <a:t>2022-03-29</a:t>
             </a:fld>
             <a:endParaRPr lang="ko-KR" altLang="en-US"/>
           </a:p>
@@ -2912,7 +2912,7 @@
           <a:p>
             <a:fld id="{6FED02FE-680C-4D44-8B27-8DE7637C71D9}" type="datetimeFigureOut">
               <a:rPr lang="ko-KR" altLang="en-US" smtClean="0"/>
-              <a:t>2022-03-28</a:t>
+              <a:t>2022-03-29</a:t>
             </a:fld>
             <a:endParaRPr lang="ko-KR" altLang="en-US"/>
           </a:p>
@@ -3402,6 +3402,42 @@
           </a:p>
         </p:txBody>
       </p:sp>
+      <p:pic>
+        <p:nvPicPr>
+          <p:cNvPr id="4" name="그림 3">
+            <a:extLst>
+              <a:ext uri="{FF2B5EF4-FFF2-40B4-BE49-F238E27FC236}">
+                <a16:creationId xmlns:a16="http://schemas.microsoft.com/office/drawing/2014/main" id="{CFDB8F91-C7F6-4FFE-85C9-6326CCB431EC}"/>
+              </a:ext>
+            </a:extLst>
+          </p:cNvPr>
+          <p:cNvPicPr>
+            <a:picLocks noChangeAspect="1"/>
+          </p:cNvPicPr>
+          <p:nvPr/>
+        </p:nvPicPr>
+        <p:blipFill>
+          <a:blip r:embed="rId2">
+            <a:extLst>
+              <a:ext uri="{28A0092B-C50C-407E-A947-70E740481C1C}">
+                <a14:useLocalDpi xmlns:a14="http://schemas.microsoft.com/office/drawing/2010/main" val="0"/>
+              </a:ext>
+            </a:extLst>
+          </a:blip>
+          <a:stretch>
+            <a:fillRect/>
+          </a:stretch>
+        </p:blipFill>
+        <p:spPr>
+          <a:xfrm>
+            <a:off x="9017429" y="6124103"/>
+            <a:ext cx="3031958" cy="733897"/>
+          </a:xfrm>
+          <a:prstGeom prst="rect">
+            <a:avLst/>
+          </a:prstGeom>
+        </p:spPr>
+      </p:pic>
     </p:spTree>
     <p:extLst>
       <p:ext uri="{BB962C8B-B14F-4D97-AF65-F5344CB8AC3E}">
@@ -3602,6 +3638,42 @@
           </a:p>
         </p:txBody>
       </p:sp>
+      <p:pic>
+        <p:nvPicPr>
+          <p:cNvPr id="5" name="그림 4">
+            <a:extLst>
+              <a:ext uri="{FF2B5EF4-FFF2-40B4-BE49-F238E27FC236}">
+                <a16:creationId xmlns:a16="http://schemas.microsoft.com/office/drawing/2014/main" id="{8ED968FE-B504-4A16-9D57-8638A2493EEF}"/>
+              </a:ext>
+            </a:extLst>
+          </p:cNvPr>
+          <p:cNvPicPr>
+            <a:picLocks noChangeAspect="1"/>
+          </p:cNvPicPr>
+          <p:nvPr/>
+        </p:nvPicPr>
+        <p:blipFill>
+          <a:blip r:embed="rId2">
+            <a:extLst>
+              <a:ext uri="{28A0092B-C50C-407E-A947-70E740481C1C}">
+                <a14:useLocalDpi xmlns:a14="http://schemas.microsoft.com/office/drawing/2010/main" val="0"/>
+              </a:ext>
+            </a:extLst>
+          </a:blip>
+          <a:stretch>
+            <a:fillRect/>
+          </a:stretch>
+        </p:blipFill>
+        <p:spPr>
+          <a:xfrm>
+            <a:off x="9017429" y="6124103"/>
+            <a:ext cx="3031958" cy="733897"/>
+          </a:xfrm>
+          <a:prstGeom prst="rect">
+            <a:avLst/>
+          </a:prstGeom>
+        </p:spPr>
+      </p:pic>
     </p:spTree>
     <p:extLst>
       <p:ext uri="{BB962C8B-B14F-4D97-AF65-F5344CB8AC3E}">
@@ -3757,6 +3829,42 @@
           </a:p>
         </p:txBody>
       </p:sp>
+      <p:pic>
+        <p:nvPicPr>
+          <p:cNvPr id="4" name="그림 3">
+            <a:extLst>
+              <a:ext uri="{FF2B5EF4-FFF2-40B4-BE49-F238E27FC236}">
+                <a16:creationId xmlns:a16="http://schemas.microsoft.com/office/drawing/2014/main" id="{C44AC766-C9BE-464C-A40F-35E573A242B6}"/>
+              </a:ext>
+            </a:extLst>
+          </p:cNvPr>
+          <p:cNvPicPr>
+            <a:picLocks noChangeAspect="1"/>
+          </p:cNvPicPr>
+          <p:nvPr/>
+        </p:nvPicPr>
+        <p:blipFill>
+          <a:blip r:embed="rId2">
+            <a:extLst>
+              <a:ext uri="{28A0092B-C50C-407E-A947-70E740481C1C}">
+                <a14:useLocalDpi xmlns:a14="http://schemas.microsoft.com/office/drawing/2010/main" val="0"/>
+              </a:ext>
+            </a:extLst>
+          </a:blip>
+          <a:stretch>
+            <a:fillRect/>
+          </a:stretch>
+        </p:blipFill>
+        <p:spPr>
+          <a:xfrm>
+            <a:off x="9017429" y="6124103"/>
+            <a:ext cx="3031958" cy="733897"/>
+          </a:xfrm>
+          <a:prstGeom prst="rect">
+            <a:avLst/>
+          </a:prstGeom>
+        </p:spPr>
+      </p:pic>
     </p:spTree>
     <p:extLst>
       <p:ext uri="{BB962C8B-B14F-4D97-AF65-F5344CB8AC3E}">
@@ -4637,6 +4745,24 @@
             </a:r>
           </a:p>
           <a:p>
+            <a:r>
+              <a:rPr lang="en-US" altLang="ko-KR" dirty="0" err="1"/>
+              <a:t>Jupyter</a:t>
+            </a:r>
+            <a:r>
+              <a:rPr lang="en-US" altLang="ko-KR" dirty="0"/>
+              <a:t> Notebook(</a:t>
+            </a:r>
+            <a:r>
+              <a:rPr lang="en-US" altLang="ko-KR" dirty="0" err="1"/>
+              <a:t>ipynb</a:t>
+            </a:r>
+            <a:r>
+              <a:rPr lang="en-US" altLang="ko-KR" dirty="0"/>
+              <a:t>)</a:t>
+            </a:r>
+          </a:p>
+          <a:p>
             <a:endParaRPr lang="en-US" altLang="ko-KR" dirty="0"/>
           </a:p>
           <a:p>
@@ -4665,6 +4791,42 @@
           </a:p>
         </p:txBody>
       </p:sp>
+      <p:pic>
+        <p:nvPicPr>
+          <p:cNvPr id="5" name="그림 4">
+            <a:extLst>
+              <a:ext uri="{FF2B5EF4-FFF2-40B4-BE49-F238E27FC236}">
+                <a16:creationId xmlns:a16="http://schemas.microsoft.com/office/drawing/2014/main" id="{7460AEED-C6A8-43B1-B5DA-3942950BDC5F}"/>
+              </a:ext>
+            </a:extLst>
+          </p:cNvPr>
+          <p:cNvPicPr>
+            <a:picLocks noChangeAspect="1"/>
+          </p:cNvPicPr>
+          <p:nvPr/>
+        </p:nvPicPr>
+        <p:blipFill>
+          <a:blip r:embed="rId4">
+            <a:extLst>
+              <a:ext uri="{28A0092B-C50C-407E-A947-70E740481C1C}">
+                <a14:useLocalDpi xmlns:a14="http://schemas.microsoft.com/office/drawing/2010/main" val="0"/>
+              </a:ext>
+            </a:extLst>
+          </a:blip>
+          <a:stretch>
+            <a:fillRect/>
+          </a:stretch>
+        </p:blipFill>
+        <p:spPr>
+          <a:xfrm>
+            <a:off x="9017429" y="6124103"/>
+            <a:ext cx="3031958" cy="733897"/>
+          </a:xfrm>
+          <a:prstGeom prst="rect">
+            <a:avLst/>
+          </a:prstGeom>
+        </p:spPr>
+      </p:pic>
     </p:spTree>
     <p:extLst>
       <p:ext uri="{BB962C8B-B14F-4D97-AF65-F5344CB8AC3E}">

--- a/1_about_this_book.pptx
+++ b/1_about_this_book.pptx
@@ -262,7 +262,7 @@
           <a:p>
             <a:fld id="{6FED02FE-680C-4D44-8B27-8DE7637C71D9}" type="datetimeFigureOut">
               <a:rPr lang="ko-KR" altLang="en-US" smtClean="0"/>
-              <a:t>2022-03-29</a:t>
+              <a:t>2022-04-12</a:t>
             </a:fld>
             <a:endParaRPr lang="ko-KR" altLang="en-US"/>
           </a:p>
@@ -460,7 +460,7 @@
           <a:p>
             <a:fld id="{6FED02FE-680C-4D44-8B27-8DE7637C71D9}" type="datetimeFigureOut">
               <a:rPr lang="ko-KR" altLang="en-US" smtClean="0"/>
-              <a:t>2022-03-29</a:t>
+              <a:t>2022-04-12</a:t>
             </a:fld>
             <a:endParaRPr lang="ko-KR" altLang="en-US"/>
           </a:p>
@@ -668,7 +668,7 @@
           <a:p>
             <a:fld id="{6FED02FE-680C-4D44-8B27-8DE7637C71D9}" type="datetimeFigureOut">
               <a:rPr lang="ko-KR" altLang="en-US" smtClean="0"/>
-              <a:t>2022-03-29</a:t>
+              <a:t>2022-04-12</a:t>
             </a:fld>
             <a:endParaRPr lang="ko-KR" altLang="en-US"/>
           </a:p>
@@ -866,7 +866,7 @@
           <a:p>
             <a:fld id="{6FED02FE-680C-4D44-8B27-8DE7637C71D9}" type="datetimeFigureOut">
               <a:rPr lang="ko-KR" altLang="en-US" smtClean="0"/>
-              <a:t>2022-03-29</a:t>
+              <a:t>2022-04-12</a:t>
             </a:fld>
             <a:endParaRPr lang="ko-KR" altLang="en-US"/>
           </a:p>
@@ -1141,7 +1141,7 @@
           <a:p>
             <a:fld id="{6FED02FE-680C-4D44-8B27-8DE7637C71D9}" type="datetimeFigureOut">
               <a:rPr lang="ko-KR" altLang="en-US" smtClean="0"/>
-              <a:t>2022-03-29</a:t>
+              <a:t>2022-04-12</a:t>
             </a:fld>
             <a:endParaRPr lang="ko-KR" altLang="en-US"/>
           </a:p>
@@ -1406,7 +1406,7 @@
           <a:p>
             <a:fld id="{6FED02FE-680C-4D44-8B27-8DE7637C71D9}" type="datetimeFigureOut">
               <a:rPr lang="ko-KR" altLang="en-US" smtClean="0"/>
-              <a:t>2022-03-29</a:t>
+              <a:t>2022-04-12</a:t>
             </a:fld>
             <a:endParaRPr lang="ko-KR" altLang="en-US"/>
           </a:p>
@@ -1818,7 +1818,7 @@
           <a:p>
             <a:fld id="{6FED02FE-680C-4D44-8B27-8DE7637C71D9}" type="datetimeFigureOut">
               <a:rPr lang="ko-KR" altLang="en-US" smtClean="0"/>
-              <a:t>2022-03-29</a:t>
+              <a:t>2022-04-12</a:t>
             </a:fld>
             <a:endParaRPr lang="ko-KR" altLang="en-US"/>
           </a:p>
@@ -1959,7 +1959,7 @@
           <a:p>
             <a:fld id="{6FED02FE-680C-4D44-8B27-8DE7637C71D9}" type="datetimeFigureOut">
               <a:rPr lang="ko-KR" altLang="en-US" smtClean="0"/>
-              <a:t>2022-03-29</a:t>
+              <a:t>2022-04-12</a:t>
             </a:fld>
             <a:endParaRPr lang="ko-KR" altLang="en-US"/>
           </a:p>
@@ -2072,7 +2072,7 @@
           <a:p>
             <a:fld id="{6FED02FE-680C-4D44-8B27-8DE7637C71D9}" type="datetimeFigureOut">
               <a:rPr lang="ko-KR" altLang="en-US" smtClean="0"/>
-              <a:t>2022-03-29</a:t>
+              <a:t>2022-04-12</a:t>
             </a:fld>
             <a:endParaRPr lang="ko-KR" altLang="en-US"/>
           </a:p>
@@ -2383,7 +2383,7 @@
           <a:p>
             <a:fld id="{6FED02FE-680C-4D44-8B27-8DE7637C71D9}" type="datetimeFigureOut">
               <a:rPr lang="ko-KR" altLang="en-US" smtClean="0"/>
-              <a:t>2022-03-29</a:t>
+              <a:t>2022-04-12</a:t>
             </a:fld>
             <a:endParaRPr lang="ko-KR" altLang="en-US"/>
           </a:p>
@@ -2671,7 +2671,7 @@
           <a:p>
             <a:fld id="{6FED02FE-680C-4D44-8B27-8DE7637C71D9}" type="datetimeFigureOut">
               <a:rPr lang="ko-KR" altLang="en-US" smtClean="0"/>
-              <a:t>2022-03-29</a:t>
+              <a:t>2022-04-12</a:t>
             </a:fld>
             <a:endParaRPr lang="ko-KR" altLang="en-US"/>
           </a:p>
@@ -2912,7 +2912,7 @@
           <a:p>
             <a:fld id="{6FED02FE-680C-4D44-8B27-8DE7637C71D9}" type="datetimeFigureOut">
               <a:rPr lang="ko-KR" altLang="en-US" smtClean="0"/>
-              <a:t>2022-03-29</a:t>
+              <a:t>2022-04-12</a:t>
             </a:fld>
             <a:endParaRPr lang="ko-KR" altLang="en-US"/>
           </a:p>
@@ -3438,6 +3438,52 @@
           </a:prstGeom>
         </p:spPr>
       </p:pic>
+      <p:sp>
+        <p:nvSpPr>
+          <p:cNvPr id="5" name="TextBox 4">
+            <a:extLst>
+              <a:ext uri="{FF2B5EF4-FFF2-40B4-BE49-F238E27FC236}">
+                <a16:creationId xmlns:a16="http://schemas.microsoft.com/office/drawing/2014/main" id="{F88E9887-9AAF-43A3-9A01-305786758C8E}"/>
+              </a:ext>
+            </a:extLst>
+          </p:cNvPr>
+          <p:cNvSpPr txBox="1"/>
+          <p:nvPr/>
+        </p:nvSpPr>
+        <p:spPr>
+          <a:xfrm>
+            <a:off x="0" y="6211669"/>
+            <a:ext cx="2805576" cy="646331"/>
+          </a:xfrm>
+          <a:prstGeom prst="rect">
+            <a:avLst/>
+          </a:prstGeom>
+          <a:noFill/>
+        </p:spPr>
+        <p:txBody>
+          <a:bodyPr wrap="none" rtlCol="0">
+            <a:spAutoFit/>
+          </a:bodyPr>
+          <a:lstStyle/>
+          <a:p>
+            <a:r>
+              <a:rPr lang="ko-KR" altLang="en-US" dirty="0"/>
+              <a:t>경희대학교 컴퓨터공학과</a:t>
+            </a:r>
+            <a:endParaRPr lang="en-US" altLang="ko-KR" dirty="0"/>
+          </a:p>
+          <a:p>
+            <a:r>
+              <a:rPr lang="en-US" altLang="ko-KR" dirty="0"/>
+              <a:t>2019102191 </a:t>
+            </a:r>
+            <a:r>
+              <a:rPr lang="ko-KR" altLang="en-US" dirty="0"/>
+              <a:t>신주영</a:t>
+            </a:r>
+          </a:p>
+        </p:txBody>
+      </p:sp>
     </p:spTree>
     <p:extLst>
       <p:ext uri="{BB962C8B-B14F-4D97-AF65-F5344CB8AC3E}">
